--- a/Les tutoriels de la FFBA_page1.pptx
+++ b/Les tutoriels de la FFBA_page1.pptx
@@ -296,7 +296,7 @@
             <a:fld id="{77F9EBB9-3DB1-464B-8411-81488C3DC3B8}" type="datetimeFigureOut">
               <a:rPr lang="fr-FR" smtClean="0"/>
               <a:pPr/>
-              <a:t>02/12/2020</a:t>
+              <a:t>03/12/2020</a:t>
             </a:fld>
             <a:endParaRPr lang="fr-FR"/>
           </a:p>
@@ -463,7 +463,7 @@
             <a:fld id="{77F9EBB9-3DB1-464B-8411-81488C3DC3B8}" type="datetimeFigureOut">
               <a:rPr lang="fr-FR" smtClean="0"/>
               <a:pPr/>
-              <a:t>02/12/2020</a:t>
+              <a:t>03/12/2020</a:t>
             </a:fld>
             <a:endParaRPr lang="fr-FR"/>
           </a:p>
@@ -640,7 +640,7 @@
             <a:fld id="{77F9EBB9-3DB1-464B-8411-81488C3DC3B8}" type="datetimeFigureOut">
               <a:rPr lang="fr-FR" smtClean="0"/>
               <a:pPr/>
-              <a:t>02/12/2020</a:t>
+              <a:t>03/12/2020</a:t>
             </a:fld>
             <a:endParaRPr lang="fr-FR"/>
           </a:p>
@@ -807,7 +807,7 @@
             <a:fld id="{77F9EBB9-3DB1-464B-8411-81488C3DC3B8}" type="datetimeFigureOut">
               <a:rPr lang="fr-FR" smtClean="0"/>
               <a:pPr/>
-              <a:t>02/12/2020</a:t>
+              <a:t>03/12/2020</a:t>
             </a:fld>
             <a:endParaRPr lang="fr-FR"/>
           </a:p>
@@ -1050,7 +1050,7 @@
             <a:fld id="{77F9EBB9-3DB1-464B-8411-81488C3DC3B8}" type="datetimeFigureOut">
               <a:rPr lang="fr-FR" smtClean="0"/>
               <a:pPr/>
-              <a:t>02/12/2020</a:t>
+              <a:t>03/12/2020</a:t>
             </a:fld>
             <a:endParaRPr lang="fr-FR"/>
           </a:p>
@@ -1335,7 +1335,7 @@
             <a:fld id="{77F9EBB9-3DB1-464B-8411-81488C3DC3B8}" type="datetimeFigureOut">
               <a:rPr lang="fr-FR" smtClean="0"/>
               <a:pPr/>
-              <a:t>02/12/2020</a:t>
+              <a:t>03/12/2020</a:t>
             </a:fld>
             <a:endParaRPr lang="fr-FR"/>
           </a:p>
@@ -1754,7 +1754,7 @@
             <a:fld id="{77F9EBB9-3DB1-464B-8411-81488C3DC3B8}" type="datetimeFigureOut">
               <a:rPr lang="fr-FR" smtClean="0"/>
               <a:pPr/>
-              <a:t>02/12/2020</a:t>
+              <a:t>03/12/2020</a:t>
             </a:fld>
             <a:endParaRPr lang="fr-FR"/>
           </a:p>
@@ -1869,7 +1869,7 @@
             <a:fld id="{77F9EBB9-3DB1-464B-8411-81488C3DC3B8}" type="datetimeFigureOut">
               <a:rPr lang="fr-FR" smtClean="0"/>
               <a:pPr/>
-              <a:t>02/12/2020</a:t>
+              <a:t>03/12/2020</a:t>
             </a:fld>
             <a:endParaRPr lang="fr-FR"/>
           </a:p>
@@ -1961,7 +1961,7 @@
             <a:fld id="{77F9EBB9-3DB1-464B-8411-81488C3DC3B8}" type="datetimeFigureOut">
               <a:rPr lang="fr-FR" smtClean="0"/>
               <a:pPr/>
-              <a:t>02/12/2020</a:t>
+              <a:t>03/12/2020</a:t>
             </a:fld>
             <a:endParaRPr lang="fr-FR"/>
           </a:p>
@@ -2235,7 +2235,7 @@
             <a:fld id="{77F9EBB9-3DB1-464B-8411-81488C3DC3B8}" type="datetimeFigureOut">
               <a:rPr lang="fr-FR" smtClean="0"/>
               <a:pPr/>
-              <a:t>02/12/2020</a:t>
+              <a:t>03/12/2020</a:t>
             </a:fld>
             <a:endParaRPr lang="fr-FR"/>
           </a:p>
@@ -2485,7 +2485,7 @@
             <a:fld id="{77F9EBB9-3DB1-464B-8411-81488C3DC3B8}" type="datetimeFigureOut">
               <a:rPr lang="fr-FR" smtClean="0"/>
               <a:pPr/>
-              <a:t>02/12/2020</a:t>
+              <a:t>03/12/2020</a:t>
             </a:fld>
             <a:endParaRPr lang="fr-FR"/>
           </a:p>
@@ -2710,7 +2710,7 @@
             <a:fld id="{77F9EBB9-3DB1-464B-8411-81488C3DC3B8}" type="datetimeFigureOut">
               <a:rPr lang="fr-FR" smtClean="0"/>
               <a:pPr/>
-              <a:t>02/12/2020</a:t>
+              <a:t>03/12/2020</a:t>
             </a:fld>
             <a:endParaRPr lang="fr-FR"/>
           </a:p>
@@ -3147,14 +3147,6 @@
               </a:rPr>
               <a:t>Les REBUTS </a:t>
             </a:r>
-            <a:r>
-              <a:rPr lang="fr-FR" sz="4400" b="1" dirty="0" smtClean="0">
-                <a:solidFill>
-                  <a:srgbClr val="FF7F00"/>
-                </a:solidFill>
-              </a:rPr>
-              <a:t/>
-            </a:r>
             <a:br>
               <a:rPr lang="fr-FR" sz="4400" b="1" dirty="0" smtClean="0">
                 <a:solidFill>
@@ -3623,39 +3615,7 @@
                   <a:schemeClr val="tx1"/>
                 </a:solidFill>
               </a:rPr>
-              <a:t>Mise </a:t>
-            </a:r>
-            <a:r>
-              <a:rPr lang="fr-FR" sz="2400" b="1" dirty="0" smtClean="0">
-                <a:solidFill>
-                  <a:schemeClr val="tx1"/>
-                </a:solidFill>
-              </a:rPr>
-              <a:t>au </a:t>
-            </a:r>
-            <a:r>
-              <a:rPr lang="fr-FR" sz="2400" b="1" dirty="0" smtClean="0">
-                <a:solidFill>
-                  <a:schemeClr val="tx1"/>
-                </a:solidFill>
-              </a:rPr>
-              <a:t>rebut </a:t>
-            </a:r>
-            <a:r>
-              <a:rPr lang="fr-FR" sz="2400" b="1" dirty="0" smtClean="0">
-                <a:solidFill>
-                  <a:schemeClr val="tx1"/>
-                </a:solidFill>
-              </a:rPr>
-              <a:t>sans  </a:t>
-            </a:r>
-            <a:r>
-              <a:rPr lang="fr-FR" sz="2400" b="1" dirty="0" smtClean="0">
-                <a:solidFill>
-                  <a:schemeClr val="tx1"/>
-                </a:solidFill>
-              </a:rPr>
-              <a:t>fournisseur</a:t>
+              <a:t>Mise au rebut sans  fournisseur</a:t>
             </a:r>
             <a:endParaRPr lang="fr-FR" sz="2000" dirty="0">
               <a:solidFill>
@@ -3919,19 +3879,7 @@
             <a:pPr lvl="0"/>
             <a:r>
               <a:rPr lang="fr-FR" sz="1800" b="1" dirty="0" smtClean="0"/>
-              <a:t>Savoir </a:t>
-            </a:r>
-            <a:r>
-              <a:rPr lang="fr-FR" sz="1800" b="1" dirty="0" smtClean="0"/>
-              <a:t>Réaliser </a:t>
-            </a:r>
-            <a:r>
-              <a:rPr lang="fr-FR" sz="1800" b="1" dirty="0" smtClean="0"/>
-              <a:t>des mouvements de rebut , avec et sans fournisseur</a:t>
-            </a:r>
-            <a:r>
-              <a:rPr lang="fr-FR" sz="1800" b="1" dirty="0" smtClean="0"/>
-              <a:t/>
+              <a:t>Savoir Réaliser des mouvements de rebut , avec et sans fournisseur</a:t>
             </a:r>
             <a:br>
               <a:rPr lang="fr-FR" sz="1800" b="1" dirty="0" smtClean="0"/>
@@ -4037,7 +3985,7 @@
         </p:nvSpPr>
         <p:spPr>
           <a:xfrm>
-            <a:off x="357158" y="1214422"/>
+            <a:off x="357158" y="857232"/>
             <a:ext cx="8229600" cy="571504"/>
           </a:xfrm>
           <a:solidFill>
@@ -4053,7 +4001,11 @@
             <a:pPr algn="l"/>
             <a:r>
               <a:rPr lang="fr-FR" sz="3600" dirty="0" smtClean="0"/>
-              <a:t>Plan de la cession</a:t>
+              <a:t>Plan de la </a:t>
+            </a:r>
+            <a:r>
+              <a:rPr lang="fr-FR" sz="3600" dirty="0" smtClean="0"/>
+              <a:t>session</a:t>
             </a:r>
             <a:endParaRPr lang="fr-FR" sz="3600" dirty="0"/>
           </a:p>
@@ -4071,7 +4023,7 @@
         </p:nvSpPr>
         <p:spPr>
           <a:xfrm>
-            <a:off x="500034" y="1428736"/>
+            <a:off x="571472" y="1214422"/>
             <a:ext cx="8186766" cy="5143536"/>
           </a:xfrm>
         </p:spPr>
@@ -4099,10 +4051,6 @@
             <a:r>
               <a:rPr lang="fr-FR" sz="2800" dirty="0" smtClean="0"/>
               <a:t>Mise au rebut avec fournisseur</a:t>
-            </a:r>
-            <a:r>
-              <a:rPr lang="fr-FR" sz="2800" dirty="0" smtClean="0"/>
-              <a:t/>
             </a:r>
             <a:br>
               <a:rPr lang="fr-FR" sz="2800" dirty="0" smtClean="0"/>
@@ -4117,10 +4065,6 @@
               <a:rPr lang="fr-FR" sz="2800" dirty="0" smtClean="0"/>
               <a:t>Mise au rebut sans fournisseur</a:t>
             </a:r>
-            <a:r>
-              <a:rPr lang="fr-FR" sz="2800" dirty="0" smtClean="0"/>
-              <a:t/>
-            </a:r>
             <a:br>
               <a:rPr lang="fr-FR" sz="2800" dirty="0" smtClean="0"/>
             </a:br>
@@ -4133,10 +4077,6 @@
             <a:r>
               <a:rPr lang="fr-FR" sz="2800" dirty="0" smtClean="0"/>
               <a:t>Comment modifier un mouvement de rebut</a:t>
-            </a:r>
-            <a:r>
-              <a:rPr lang="fr-FR" sz="2800" dirty="0" smtClean="0"/>
-              <a:t/>
             </a:r>
             <a:br>
               <a:rPr lang="fr-FR" sz="2800" dirty="0" smtClean="0"/>
@@ -4264,14 +4204,6 @@
               </a:rPr>
               <a:t>1ere partie</a:t>
             </a:r>
-            <a:r>
-              <a:rPr lang="fr-FR" sz="4000" dirty="0" smtClean="0">
-                <a:solidFill>
-                  <a:srgbClr val="FF7F00"/>
-                </a:solidFill>
-              </a:rPr>
-              <a:t/>
-            </a:r>
             <a:br>
               <a:rPr lang="fr-FR" sz="4000" dirty="0" smtClean="0">
                 <a:solidFill>
@@ -4297,11 +4229,6 @@
               </a:rPr>
               <a:t>Mise au rebut avec fournisseur</a:t>
             </a:r>
-            <a:endParaRPr lang="fr-FR" b="1" dirty="0" smtClean="0">
-              <a:solidFill>
-                <a:srgbClr val="FF7F00"/>
-              </a:solidFill>
-            </a:endParaRPr>
           </a:p>
         </p:txBody>
       </p:sp>
@@ -4408,6 +4335,13 @@
               </a:rPr>
               <a:t>2eme partie</a:t>
             </a:r>
+            <a:br>
+              <a:rPr lang="fr-FR" sz="4000" dirty="0" smtClean="0">
+                <a:solidFill>
+                  <a:srgbClr val="FF7F00"/>
+                </a:solidFill>
+              </a:rPr>
+            </a:br>
             <a:r>
               <a:rPr lang="fr-FR" sz="4000" dirty="0" smtClean="0">
                 <a:solidFill>
@@ -4424,21 +4358,6 @@
               </a:rPr>
             </a:br>
             <a:r>
-              <a:rPr lang="fr-FR" sz="4000" dirty="0" smtClean="0">
-                <a:solidFill>
-                  <a:srgbClr val="FF7F00"/>
-                </a:solidFill>
-              </a:rPr>
-              <a:t/>
-            </a:r>
-            <a:br>
-              <a:rPr lang="fr-FR" sz="4000" dirty="0" smtClean="0">
-                <a:solidFill>
-                  <a:srgbClr val="FF7F00"/>
-                </a:solidFill>
-              </a:rPr>
-            </a:br>
-            <a:r>
               <a:rPr lang="fr-FR" b="1" dirty="0" smtClean="0">
                 <a:solidFill>
                   <a:srgbClr val="FF7F00"/>
@@ -4446,11 +4365,6 @@
               </a:rPr>
               <a:t>Mise au rebut sans fournisseur</a:t>
             </a:r>
-            <a:endParaRPr lang="fr-FR" b="1" dirty="0" smtClean="0">
-              <a:solidFill>
-                <a:srgbClr val="FF7F00"/>
-              </a:solidFill>
-            </a:endParaRPr>
           </a:p>
         </p:txBody>
       </p:sp>
@@ -4557,6 +4471,13 @@
               </a:rPr>
               <a:t>3eme partie</a:t>
             </a:r>
+            <a:br>
+              <a:rPr lang="fr-FR" sz="4000" dirty="0" smtClean="0">
+                <a:solidFill>
+                  <a:srgbClr val="FF7F00"/>
+                </a:solidFill>
+              </a:rPr>
+            </a:br>
             <a:r>
               <a:rPr lang="fr-FR" sz="4000" dirty="0" smtClean="0">
                 <a:solidFill>
@@ -4573,21 +4494,6 @@
               </a:rPr>
             </a:br>
             <a:r>
-              <a:rPr lang="fr-FR" sz="4000" dirty="0" smtClean="0">
-                <a:solidFill>
-                  <a:srgbClr val="FF7F00"/>
-                </a:solidFill>
-              </a:rPr>
-              <a:t/>
-            </a:r>
-            <a:br>
-              <a:rPr lang="fr-FR" sz="4000" dirty="0" smtClean="0">
-                <a:solidFill>
-                  <a:srgbClr val="FF7F00"/>
-                </a:solidFill>
-              </a:rPr>
-            </a:br>
-            <a:r>
               <a:rPr lang="fr-FR" sz="2800" dirty="0" smtClean="0">
                 <a:solidFill>
                   <a:srgbClr val="FF7F00"/>
@@ -4606,15 +4512,7 @@
                   <a:srgbClr val="FF7F00"/>
                 </a:solidFill>
               </a:rPr>
-              <a:t>   </a:t>
-            </a:r>
-            <a:r>
-              <a:rPr lang="fr-FR" b="1" dirty="0" smtClean="0">
-                <a:solidFill>
-                  <a:srgbClr val="FF7F00"/>
-                </a:solidFill>
-              </a:rPr>
-              <a:t>Modifier un mouvement de rebut</a:t>
+              <a:t>   Modifier un mouvement de rebut</a:t>
             </a:r>
             <a:endParaRPr lang="fr-FR" b="1" dirty="0">
               <a:solidFill>
@@ -4771,7 +4669,11 @@
             </a:pPr>
             <a:r>
               <a:rPr lang="fr-FR" sz="2000" b="1" dirty="0" smtClean="0"/>
-              <a:t>ffba.formation-informatique@banquealimentaire.org</a:t>
+              <a:t>            support-formation@banquealimentaire.org</a:t>
+            </a:r>
+            <a:r>
+              <a:rPr lang="fr-FR" sz="2000" b="1" dirty="0" smtClean="0"/>
+              <a:t/>
             </a:r>
             <a:br>
               <a:rPr lang="fr-FR" sz="2000" b="1" dirty="0" smtClean="0"/>
